--- a/Documentation/images/setup.pptx
+++ b/Documentation/images/setup.pptx
@@ -6,6 +6,7 @@
   </p:sldMasterIdLst>
   <p:sldIdLst>
     <p:sldId id="256" r:id="rId2"/>
+    <p:sldId id="257" r:id="rId3"/>
   </p:sldIdLst>
   <p:sldSz cx="12192000" cy="6858000"/>
   <p:notesSz cx="6858000" cy="9144000"/>
@@ -104,6 +105,11 @@
       </a:defRPr>
     </a:lvl9pPr>
   </p:defaultTextStyle>
+  <p:extLst>
+    <p:ext uri="{EFAFB233-063F-42B5-8137-9DF3F51BA10A}">
+      <p15:sldGuideLst xmlns:p15="http://schemas.microsoft.com/office/powerpoint/2012/main"/>
+    </p:ext>
+  </p:extLst>
 </p:presentation>
 </file>
 
@@ -238,7 +244,7 @@
           <a:p>
             <a:fld id="{1DC8DE27-D5FA-4219-8D22-9A5F42E00E4B}" type="datetimeFigureOut">
               <a:rPr lang="en-GB" smtClean="0"/>
-              <a:t>10/07/2015</a:t>
+              <a:t>14/07/2015</a:t>
             </a:fld>
             <a:endParaRPr lang="en-GB"/>
           </a:p>
@@ -408,7 +414,7 @@
           <a:p>
             <a:fld id="{1DC8DE27-D5FA-4219-8D22-9A5F42E00E4B}" type="datetimeFigureOut">
               <a:rPr lang="en-GB" smtClean="0"/>
-              <a:t>10/07/2015</a:t>
+              <a:t>14/07/2015</a:t>
             </a:fld>
             <a:endParaRPr lang="en-GB"/>
           </a:p>
@@ -588,7 +594,7 @@
           <a:p>
             <a:fld id="{1DC8DE27-D5FA-4219-8D22-9A5F42E00E4B}" type="datetimeFigureOut">
               <a:rPr lang="en-GB" smtClean="0"/>
-              <a:t>10/07/2015</a:t>
+              <a:t>14/07/2015</a:t>
             </a:fld>
             <a:endParaRPr lang="en-GB"/>
           </a:p>
@@ -758,7 +764,7 @@
           <a:p>
             <a:fld id="{1DC8DE27-D5FA-4219-8D22-9A5F42E00E4B}" type="datetimeFigureOut">
               <a:rPr lang="en-GB" smtClean="0"/>
-              <a:t>10/07/2015</a:t>
+              <a:t>14/07/2015</a:t>
             </a:fld>
             <a:endParaRPr lang="en-GB"/>
           </a:p>
@@ -1004,7 +1010,7 @@
           <a:p>
             <a:fld id="{1DC8DE27-D5FA-4219-8D22-9A5F42E00E4B}" type="datetimeFigureOut">
               <a:rPr lang="en-GB" smtClean="0"/>
-              <a:t>10/07/2015</a:t>
+              <a:t>14/07/2015</a:t>
             </a:fld>
             <a:endParaRPr lang="en-GB"/>
           </a:p>
@@ -1236,7 +1242,7 @@
           <a:p>
             <a:fld id="{1DC8DE27-D5FA-4219-8D22-9A5F42E00E4B}" type="datetimeFigureOut">
               <a:rPr lang="en-GB" smtClean="0"/>
-              <a:t>10/07/2015</a:t>
+              <a:t>14/07/2015</a:t>
             </a:fld>
             <a:endParaRPr lang="en-GB"/>
           </a:p>
@@ -1603,7 +1609,7 @@
           <a:p>
             <a:fld id="{1DC8DE27-D5FA-4219-8D22-9A5F42E00E4B}" type="datetimeFigureOut">
               <a:rPr lang="en-GB" smtClean="0"/>
-              <a:t>10/07/2015</a:t>
+              <a:t>14/07/2015</a:t>
             </a:fld>
             <a:endParaRPr lang="en-GB"/>
           </a:p>
@@ -1721,7 +1727,7 @@
           <a:p>
             <a:fld id="{1DC8DE27-D5FA-4219-8D22-9A5F42E00E4B}" type="datetimeFigureOut">
               <a:rPr lang="en-GB" smtClean="0"/>
-              <a:t>10/07/2015</a:t>
+              <a:t>14/07/2015</a:t>
             </a:fld>
             <a:endParaRPr lang="en-GB"/>
           </a:p>
@@ -1816,7 +1822,7 @@
           <a:p>
             <a:fld id="{1DC8DE27-D5FA-4219-8D22-9A5F42E00E4B}" type="datetimeFigureOut">
               <a:rPr lang="en-GB" smtClean="0"/>
-              <a:t>10/07/2015</a:t>
+              <a:t>14/07/2015</a:t>
             </a:fld>
             <a:endParaRPr lang="en-GB"/>
           </a:p>
@@ -2093,7 +2099,7 @@
           <a:p>
             <a:fld id="{1DC8DE27-D5FA-4219-8D22-9A5F42E00E4B}" type="datetimeFigureOut">
               <a:rPr lang="en-GB" smtClean="0"/>
-              <a:t>10/07/2015</a:t>
+              <a:t>14/07/2015</a:t>
             </a:fld>
             <a:endParaRPr lang="en-GB"/>
           </a:p>
@@ -2346,7 +2352,7 @@
           <a:p>
             <a:fld id="{1DC8DE27-D5FA-4219-8D22-9A5F42E00E4B}" type="datetimeFigureOut">
               <a:rPr lang="en-GB" smtClean="0"/>
-              <a:t>10/07/2015</a:t>
+              <a:t>14/07/2015</a:t>
             </a:fld>
             <a:endParaRPr lang="en-GB"/>
           </a:p>
@@ -2559,7 +2565,7 @@
           <a:p>
             <a:fld id="{1DC8DE27-D5FA-4219-8D22-9A5F42E00E4B}" type="datetimeFigureOut">
               <a:rPr lang="en-GB" smtClean="0"/>
-              <a:t>10/07/2015</a:t>
+              <a:t>14/07/2015</a:t>
             </a:fld>
             <a:endParaRPr lang="en-GB"/>
           </a:p>
@@ -4325,6 +4331,1944 @@
     <p:extLst>
       <p:ext uri="{BB962C8B-B14F-4D97-AF65-F5344CB8AC3E}">
         <p14:creationId xmlns:p14="http://schemas.microsoft.com/office/powerpoint/2010/main" val="3586444767"/>
+      </p:ext>
+    </p:extLst>
+  </p:cSld>
+  <p:clrMapOvr>
+    <a:masterClrMapping/>
+  </p:clrMapOvr>
+  <p:timing>
+    <p:tnLst>
+      <p:par>
+        <p:cTn id="1" dur="indefinite" restart="never" nodeType="tmRoot"/>
+      </p:par>
+    </p:tnLst>
+  </p:timing>
+</p:sld>
+</file>
+
+<file path=ppt/slides/slide2.xml><?xml version="1.0" encoding="utf-8"?>
+<p:sld xmlns:a="http://schemas.openxmlformats.org/drawingml/2006/main" xmlns:r="http://schemas.openxmlformats.org/officeDocument/2006/relationships" xmlns:p="http://schemas.openxmlformats.org/presentationml/2006/main">
+  <p:cSld>
+    <p:spTree>
+      <p:nvGrpSpPr>
+        <p:cNvPr id="1" name=""/>
+        <p:cNvGrpSpPr/>
+        <p:nvPr/>
+      </p:nvGrpSpPr>
+      <p:grpSpPr>
+        <a:xfrm>
+          <a:off x="0" y="0"/>
+          <a:ext cx="0" cy="0"/>
+          <a:chOff x="0" y="0"/>
+          <a:chExt cx="0" cy="0"/>
+        </a:xfrm>
+      </p:grpSpPr>
+      <p:sp>
+        <p:nvSpPr>
+          <p:cNvPr id="4" name="Rechteck 3"/>
+          <p:cNvSpPr/>
+          <p:nvPr/>
+        </p:nvSpPr>
+        <p:spPr>
+          <a:xfrm rot="2351817">
+            <a:off x="6408627" y="1232368"/>
+            <a:ext cx="1786348" cy="100102"/>
+          </a:xfrm>
+          <a:prstGeom prst="rect">
+            <a:avLst/>
+          </a:prstGeom>
+          <a:solidFill>
+            <a:schemeClr val="bg1"/>
+          </a:solidFill>
+          <a:ln>
+            <a:solidFill>
+              <a:schemeClr val="tx1"/>
+            </a:solidFill>
+          </a:ln>
+        </p:spPr>
+        <p:style>
+          <a:lnRef idx="2">
+            <a:schemeClr val="accent1">
+              <a:shade val="50000"/>
+            </a:schemeClr>
+          </a:lnRef>
+          <a:fillRef idx="1">
+            <a:schemeClr val="accent1"/>
+          </a:fillRef>
+          <a:effectRef idx="0">
+            <a:schemeClr val="accent1"/>
+          </a:effectRef>
+          <a:fontRef idx="minor">
+            <a:schemeClr val="lt1"/>
+          </a:fontRef>
+        </p:style>
+        <p:txBody>
+          <a:bodyPr rot="0" spcFirstLastPara="0" vertOverflow="overflow" horzOverflow="overflow" vert="horz" wrap="square" lIns="91440" tIns="45720" rIns="91440" bIns="45720" numCol="1" spcCol="0" rtlCol="0" fromWordArt="0" anchor="ctr" anchorCtr="0" forceAA="0" compatLnSpc="1">
+            <a:prstTxWarp prst="textNoShape">
+              <a:avLst/>
+            </a:prstTxWarp>
+            <a:noAutofit/>
+          </a:bodyPr>
+          <a:lstStyle/>
+          <a:p>
+            <a:pPr algn="ctr"/>
+            <a:endParaRPr lang="en-US"/>
+          </a:p>
+        </p:txBody>
+      </p:sp>
+      <p:sp>
+        <p:nvSpPr>
+          <p:cNvPr id="5" name="Rechteck 4"/>
+          <p:cNvSpPr/>
+          <p:nvPr/>
+        </p:nvSpPr>
+        <p:spPr>
+          <a:xfrm>
+            <a:off x="7849236" y="638256"/>
+            <a:ext cx="229874" cy="5592022"/>
+          </a:xfrm>
+          <a:prstGeom prst="rect">
+            <a:avLst/>
+          </a:prstGeom>
+          <a:solidFill>
+            <a:schemeClr val="bg1"/>
+          </a:solidFill>
+          <a:ln>
+            <a:solidFill>
+              <a:schemeClr val="tx1"/>
+            </a:solidFill>
+          </a:ln>
+        </p:spPr>
+        <p:style>
+          <a:lnRef idx="2">
+            <a:schemeClr val="accent1">
+              <a:shade val="50000"/>
+            </a:schemeClr>
+          </a:lnRef>
+          <a:fillRef idx="1">
+            <a:schemeClr val="accent1"/>
+          </a:fillRef>
+          <a:effectRef idx="0">
+            <a:schemeClr val="accent1"/>
+          </a:effectRef>
+          <a:fontRef idx="minor">
+            <a:schemeClr val="lt1"/>
+          </a:fontRef>
+        </p:style>
+        <p:txBody>
+          <a:bodyPr rot="0" spcFirstLastPara="0" vertOverflow="overflow" horzOverflow="overflow" vert="horz" wrap="square" lIns="91440" tIns="45720" rIns="91440" bIns="45720" numCol="1" spcCol="0" rtlCol="0" fromWordArt="0" anchor="ctr" anchorCtr="0" forceAA="0" compatLnSpc="1">
+            <a:prstTxWarp prst="textNoShape">
+              <a:avLst/>
+            </a:prstTxWarp>
+            <a:noAutofit/>
+          </a:bodyPr>
+          <a:lstStyle/>
+          <a:p>
+            <a:pPr algn="ctr"/>
+            <a:endParaRPr lang="en-US"/>
+          </a:p>
+        </p:txBody>
+      </p:sp>
+      <p:sp>
+        <p:nvSpPr>
+          <p:cNvPr id="6" name="Rechteck 5"/>
+          <p:cNvSpPr/>
+          <p:nvPr/>
+        </p:nvSpPr>
+        <p:spPr>
+          <a:xfrm>
+            <a:off x="4157861" y="4551081"/>
+            <a:ext cx="3514987" cy="159391"/>
+          </a:xfrm>
+          <a:prstGeom prst="rect">
+            <a:avLst/>
+          </a:prstGeom>
+          <a:solidFill>
+            <a:schemeClr val="bg1"/>
+          </a:solidFill>
+          <a:ln>
+            <a:solidFill>
+              <a:schemeClr val="tx1"/>
+            </a:solidFill>
+          </a:ln>
+        </p:spPr>
+        <p:style>
+          <a:lnRef idx="2">
+            <a:schemeClr val="accent1">
+              <a:shade val="50000"/>
+            </a:schemeClr>
+          </a:lnRef>
+          <a:fillRef idx="1">
+            <a:schemeClr val="accent1"/>
+          </a:fillRef>
+          <a:effectRef idx="0">
+            <a:schemeClr val="accent1"/>
+          </a:effectRef>
+          <a:fontRef idx="minor">
+            <a:schemeClr val="lt1"/>
+          </a:fontRef>
+        </p:style>
+        <p:txBody>
+          <a:bodyPr rtlCol="0" anchor="ctr"/>
+          <a:lstStyle/>
+          <a:p>
+            <a:pPr algn="ctr"/>
+            <a:endParaRPr lang="en-US"/>
+          </a:p>
+        </p:txBody>
+      </p:sp>
+      <p:sp>
+        <p:nvSpPr>
+          <p:cNvPr id="7" name="Rechteck 6"/>
+          <p:cNvSpPr/>
+          <p:nvPr/>
+        </p:nvSpPr>
+        <p:spPr>
+          <a:xfrm rot="16200000">
+            <a:off x="3451790" y="5416544"/>
+            <a:ext cx="1519806" cy="107661"/>
+          </a:xfrm>
+          <a:prstGeom prst="rect">
+            <a:avLst/>
+          </a:prstGeom>
+          <a:solidFill>
+            <a:schemeClr val="bg1"/>
+          </a:solidFill>
+          <a:ln>
+            <a:solidFill>
+              <a:schemeClr val="tx1"/>
+            </a:solidFill>
+          </a:ln>
+        </p:spPr>
+        <p:style>
+          <a:lnRef idx="2">
+            <a:schemeClr val="accent1">
+              <a:shade val="50000"/>
+            </a:schemeClr>
+          </a:lnRef>
+          <a:fillRef idx="1">
+            <a:schemeClr val="accent1"/>
+          </a:fillRef>
+          <a:effectRef idx="0">
+            <a:schemeClr val="accent1"/>
+          </a:effectRef>
+          <a:fontRef idx="minor">
+            <a:schemeClr val="lt1"/>
+          </a:fontRef>
+        </p:style>
+        <p:txBody>
+          <a:bodyPr rtlCol="0" anchor="ctr"/>
+          <a:lstStyle/>
+          <a:p>
+            <a:pPr algn="ctr"/>
+            <a:endParaRPr lang="en-US"/>
+          </a:p>
+        </p:txBody>
+      </p:sp>
+      <p:sp>
+        <p:nvSpPr>
+          <p:cNvPr id="8" name="Rechteck 7"/>
+          <p:cNvSpPr/>
+          <p:nvPr/>
+        </p:nvSpPr>
+        <p:spPr>
+          <a:xfrm rot="16200000">
+            <a:off x="6859115" y="5416545"/>
+            <a:ext cx="1519806" cy="107661"/>
+          </a:xfrm>
+          <a:prstGeom prst="rect">
+            <a:avLst/>
+          </a:prstGeom>
+          <a:solidFill>
+            <a:schemeClr val="bg1"/>
+          </a:solidFill>
+          <a:ln>
+            <a:solidFill>
+              <a:schemeClr val="tx1"/>
+            </a:solidFill>
+          </a:ln>
+        </p:spPr>
+        <p:style>
+          <a:lnRef idx="2">
+            <a:schemeClr val="accent1">
+              <a:shade val="50000"/>
+            </a:schemeClr>
+          </a:lnRef>
+          <a:fillRef idx="1">
+            <a:schemeClr val="accent1"/>
+          </a:fillRef>
+          <a:effectRef idx="0">
+            <a:schemeClr val="accent1"/>
+          </a:effectRef>
+          <a:fontRef idx="minor">
+            <a:schemeClr val="lt1"/>
+          </a:fontRef>
+        </p:style>
+        <p:txBody>
+          <a:bodyPr rtlCol="0" anchor="ctr"/>
+          <a:lstStyle/>
+          <a:p>
+            <a:pPr algn="ctr"/>
+            <a:endParaRPr lang="en-US"/>
+          </a:p>
+        </p:txBody>
+      </p:sp>
+      <p:sp>
+        <p:nvSpPr>
+          <p:cNvPr id="9" name="Ecken des Rechtecks auf der gleichen Seite schneiden 8"/>
+          <p:cNvSpPr/>
+          <p:nvPr/>
+        </p:nvSpPr>
+        <p:spPr>
+          <a:xfrm>
+            <a:off x="4211693" y="4056129"/>
+            <a:ext cx="654341" cy="494951"/>
+          </a:xfrm>
+          <a:prstGeom prst="snip2SameRect">
+            <a:avLst/>
+          </a:prstGeom>
+          <a:solidFill>
+            <a:schemeClr val="bg1"/>
+          </a:solidFill>
+          <a:ln>
+            <a:solidFill>
+              <a:schemeClr val="tx1"/>
+            </a:solidFill>
+          </a:ln>
+        </p:spPr>
+        <p:style>
+          <a:lnRef idx="2">
+            <a:schemeClr val="accent1">
+              <a:shade val="50000"/>
+            </a:schemeClr>
+          </a:lnRef>
+          <a:fillRef idx="1">
+            <a:schemeClr val="accent1"/>
+          </a:fillRef>
+          <a:effectRef idx="0">
+            <a:schemeClr val="accent1"/>
+          </a:effectRef>
+          <a:fontRef idx="minor">
+            <a:schemeClr val="lt1"/>
+          </a:fontRef>
+        </p:style>
+        <p:txBody>
+          <a:bodyPr rtlCol="0" anchor="ctr"/>
+          <a:lstStyle/>
+          <a:p>
+            <a:pPr algn="ctr"/>
+            <a:endParaRPr lang="en-US"/>
+          </a:p>
+        </p:txBody>
+      </p:sp>
+      <p:sp>
+        <p:nvSpPr>
+          <p:cNvPr id="10" name="Ellipse 9"/>
+          <p:cNvSpPr/>
+          <p:nvPr/>
+        </p:nvSpPr>
+        <p:spPr>
+          <a:xfrm>
+            <a:off x="4224276" y="2936201"/>
+            <a:ext cx="629174" cy="1182848"/>
+          </a:xfrm>
+          <a:prstGeom prst="ellipse">
+            <a:avLst/>
+          </a:prstGeom>
+          <a:solidFill>
+            <a:schemeClr val="bg1"/>
+          </a:solidFill>
+          <a:ln>
+            <a:solidFill>
+              <a:schemeClr val="tx1"/>
+            </a:solidFill>
+          </a:ln>
+        </p:spPr>
+        <p:style>
+          <a:lnRef idx="2">
+            <a:schemeClr val="accent1">
+              <a:shade val="50000"/>
+            </a:schemeClr>
+          </a:lnRef>
+          <a:fillRef idx="1">
+            <a:schemeClr val="accent1"/>
+          </a:fillRef>
+          <a:effectRef idx="0">
+            <a:schemeClr val="accent1"/>
+          </a:effectRef>
+          <a:fontRef idx="minor">
+            <a:schemeClr val="lt1"/>
+          </a:fontRef>
+        </p:style>
+        <p:txBody>
+          <a:bodyPr rot="0" spcFirstLastPara="0" vertOverflow="overflow" horzOverflow="overflow" vert="horz" wrap="square" lIns="91440" tIns="45720" rIns="91440" bIns="45720" numCol="1" spcCol="0" rtlCol="0" fromWordArt="0" anchor="ctr" anchorCtr="0" forceAA="0" compatLnSpc="1">
+            <a:prstTxWarp prst="textNoShape">
+              <a:avLst/>
+            </a:prstTxWarp>
+            <a:noAutofit/>
+          </a:bodyPr>
+          <a:lstStyle/>
+          <a:p>
+            <a:pPr algn="ctr"/>
+            <a:endParaRPr lang="en-US"/>
+          </a:p>
+        </p:txBody>
+      </p:sp>
+      <p:sp>
+        <p:nvSpPr>
+          <p:cNvPr id="11" name="Ellipse 10"/>
+          <p:cNvSpPr/>
+          <p:nvPr/>
+        </p:nvSpPr>
+        <p:spPr>
+          <a:xfrm rot="778036">
+            <a:off x="4348967" y="1912745"/>
+            <a:ext cx="629174" cy="1182848"/>
+          </a:xfrm>
+          <a:prstGeom prst="ellipse">
+            <a:avLst/>
+          </a:prstGeom>
+          <a:solidFill>
+            <a:schemeClr val="bg1"/>
+          </a:solidFill>
+          <a:ln>
+            <a:solidFill>
+              <a:schemeClr val="tx1"/>
+            </a:solidFill>
+          </a:ln>
+        </p:spPr>
+        <p:style>
+          <a:lnRef idx="2">
+            <a:schemeClr val="accent1">
+              <a:shade val="50000"/>
+            </a:schemeClr>
+          </a:lnRef>
+          <a:fillRef idx="1">
+            <a:schemeClr val="accent1"/>
+          </a:fillRef>
+          <a:effectRef idx="0">
+            <a:schemeClr val="accent1"/>
+          </a:effectRef>
+          <a:fontRef idx="minor">
+            <a:schemeClr val="lt1"/>
+          </a:fontRef>
+        </p:style>
+        <p:txBody>
+          <a:bodyPr rot="0" spcFirstLastPara="0" vertOverflow="overflow" horzOverflow="overflow" vert="horz" wrap="square" lIns="91440" tIns="45720" rIns="91440" bIns="45720" numCol="1" spcCol="0" rtlCol="0" fromWordArt="0" anchor="ctr" anchorCtr="0" forceAA="0" compatLnSpc="1">
+            <a:prstTxWarp prst="textNoShape">
+              <a:avLst/>
+            </a:prstTxWarp>
+            <a:noAutofit/>
+          </a:bodyPr>
+          <a:lstStyle/>
+          <a:p>
+            <a:pPr algn="ctr"/>
+            <a:endParaRPr lang="en-US"/>
+          </a:p>
+        </p:txBody>
+      </p:sp>
+      <p:sp>
+        <p:nvSpPr>
+          <p:cNvPr id="12" name="Ellipse 11"/>
+          <p:cNvSpPr/>
+          <p:nvPr/>
+        </p:nvSpPr>
+        <p:spPr>
+          <a:xfrm rot="15654294">
+            <a:off x="4967051" y="1265810"/>
+            <a:ext cx="629174" cy="1182848"/>
+          </a:xfrm>
+          <a:prstGeom prst="ellipse">
+            <a:avLst/>
+          </a:prstGeom>
+          <a:solidFill>
+            <a:schemeClr val="bg1"/>
+          </a:solidFill>
+          <a:ln>
+            <a:solidFill>
+              <a:schemeClr val="tx1"/>
+            </a:solidFill>
+          </a:ln>
+        </p:spPr>
+        <p:style>
+          <a:lnRef idx="2">
+            <a:schemeClr val="accent1">
+              <a:shade val="50000"/>
+            </a:schemeClr>
+          </a:lnRef>
+          <a:fillRef idx="1">
+            <a:schemeClr val="accent1"/>
+          </a:fillRef>
+          <a:effectRef idx="0">
+            <a:schemeClr val="accent1"/>
+          </a:effectRef>
+          <a:fontRef idx="minor">
+            <a:schemeClr val="lt1"/>
+          </a:fontRef>
+        </p:style>
+        <p:txBody>
+          <a:bodyPr rot="0" spcFirstLastPara="0" vertOverflow="overflow" horzOverflow="overflow" vert="horz" wrap="square" lIns="91440" tIns="45720" rIns="91440" bIns="45720" numCol="1" spcCol="0" rtlCol="0" fromWordArt="0" anchor="ctr" anchorCtr="0" forceAA="0" compatLnSpc="1">
+            <a:prstTxWarp prst="textNoShape">
+              <a:avLst/>
+            </a:prstTxWarp>
+            <a:noAutofit/>
+          </a:bodyPr>
+          <a:lstStyle/>
+          <a:p>
+            <a:pPr algn="ctr"/>
+            <a:endParaRPr lang="en-US"/>
+          </a:p>
+        </p:txBody>
+      </p:sp>
+      <p:sp>
+        <p:nvSpPr>
+          <p:cNvPr id="13" name="Ellipse 12"/>
+          <p:cNvSpPr/>
+          <p:nvPr/>
+        </p:nvSpPr>
+        <p:spPr>
+          <a:xfrm rot="19957764">
+            <a:off x="5714369" y="1631893"/>
+            <a:ext cx="401970" cy="716224"/>
+          </a:xfrm>
+          <a:prstGeom prst="ellipse">
+            <a:avLst/>
+          </a:prstGeom>
+          <a:solidFill>
+            <a:schemeClr val="bg1"/>
+          </a:solidFill>
+          <a:ln>
+            <a:solidFill>
+              <a:schemeClr val="tx1"/>
+            </a:solidFill>
+          </a:ln>
+        </p:spPr>
+        <p:style>
+          <a:lnRef idx="2">
+            <a:schemeClr val="accent1">
+              <a:shade val="50000"/>
+            </a:schemeClr>
+          </a:lnRef>
+          <a:fillRef idx="1">
+            <a:schemeClr val="accent1"/>
+          </a:fillRef>
+          <a:effectRef idx="0">
+            <a:schemeClr val="accent1"/>
+          </a:effectRef>
+          <a:fontRef idx="minor">
+            <a:schemeClr val="lt1"/>
+          </a:fontRef>
+        </p:style>
+        <p:txBody>
+          <a:bodyPr rot="0" spcFirstLastPara="0" vertOverflow="overflow" horzOverflow="overflow" vert="horz" wrap="square" lIns="91440" tIns="45720" rIns="91440" bIns="45720" numCol="1" spcCol="0" rtlCol="0" fromWordArt="0" anchor="ctr" anchorCtr="0" forceAA="0" compatLnSpc="1">
+            <a:prstTxWarp prst="textNoShape">
+              <a:avLst/>
+            </a:prstTxWarp>
+            <a:noAutofit/>
+          </a:bodyPr>
+          <a:lstStyle/>
+          <a:p>
+            <a:pPr algn="ctr"/>
+            <a:endParaRPr lang="en-US"/>
+          </a:p>
+        </p:txBody>
+      </p:sp>
+      <p:sp>
+        <p:nvSpPr>
+          <p:cNvPr id="14" name="Rechteck 13"/>
+          <p:cNvSpPr/>
+          <p:nvPr/>
+        </p:nvSpPr>
+        <p:spPr>
+          <a:xfrm rot="20507558">
+            <a:off x="5942071" y="2276217"/>
+            <a:ext cx="125757" cy="191150"/>
+          </a:xfrm>
+          <a:prstGeom prst="rect">
+            <a:avLst/>
+          </a:prstGeom>
+          <a:solidFill>
+            <a:schemeClr val="bg1"/>
+          </a:solidFill>
+          <a:ln>
+            <a:solidFill>
+              <a:schemeClr val="tx1"/>
+            </a:solidFill>
+          </a:ln>
+        </p:spPr>
+        <p:style>
+          <a:lnRef idx="2">
+            <a:schemeClr val="accent1">
+              <a:shade val="50000"/>
+            </a:schemeClr>
+          </a:lnRef>
+          <a:fillRef idx="1">
+            <a:schemeClr val="accent1"/>
+          </a:fillRef>
+          <a:effectRef idx="0">
+            <a:schemeClr val="accent1"/>
+          </a:effectRef>
+          <a:fontRef idx="minor">
+            <a:schemeClr val="lt1"/>
+          </a:fontRef>
+        </p:style>
+        <p:txBody>
+          <a:bodyPr rot="0" spcFirstLastPara="0" vertOverflow="overflow" horzOverflow="overflow" vert="horz" wrap="square" lIns="91440" tIns="45720" rIns="91440" bIns="45720" numCol="1" spcCol="0" rtlCol="0" fromWordArt="0" anchor="ctr" anchorCtr="0" forceAA="0" compatLnSpc="1">
+            <a:prstTxWarp prst="textNoShape">
+              <a:avLst/>
+            </a:prstTxWarp>
+            <a:noAutofit/>
+          </a:bodyPr>
+          <a:lstStyle/>
+          <a:p>
+            <a:pPr algn="ctr"/>
+            <a:endParaRPr lang="en-US"/>
+          </a:p>
+        </p:txBody>
+      </p:sp>
+      <p:sp>
+        <p:nvSpPr>
+          <p:cNvPr id="15" name="Rechteck 14"/>
+          <p:cNvSpPr/>
+          <p:nvPr/>
+        </p:nvSpPr>
+        <p:spPr>
+          <a:xfrm rot="20507558">
+            <a:off x="6053677" y="2234216"/>
+            <a:ext cx="132808" cy="191150"/>
+          </a:xfrm>
+          <a:prstGeom prst="rect">
+            <a:avLst/>
+          </a:prstGeom>
+          <a:solidFill>
+            <a:schemeClr val="bg1"/>
+          </a:solidFill>
+          <a:ln>
+            <a:solidFill>
+              <a:schemeClr val="tx1"/>
+            </a:solidFill>
+          </a:ln>
+        </p:spPr>
+        <p:style>
+          <a:lnRef idx="2">
+            <a:schemeClr val="accent1">
+              <a:shade val="50000"/>
+            </a:schemeClr>
+          </a:lnRef>
+          <a:fillRef idx="1">
+            <a:schemeClr val="accent1"/>
+          </a:fillRef>
+          <a:effectRef idx="0">
+            <a:schemeClr val="accent1"/>
+          </a:effectRef>
+          <a:fontRef idx="minor">
+            <a:schemeClr val="lt1"/>
+          </a:fontRef>
+        </p:style>
+        <p:txBody>
+          <a:bodyPr rot="0" spcFirstLastPara="0" vertOverflow="overflow" horzOverflow="overflow" vert="horz" wrap="square" lIns="91440" tIns="45720" rIns="91440" bIns="45720" numCol="1" spcCol="0" rtlCol="0" fromWordArt="0" anchor="ctr" anchorCtr="0" forceAA="0" compatLnSpc="1">
+            <a:prstTxWarp prst="textNoShape">
+              <a:avLst/>
+            </a:prstTxWarp>
+            <a:noAutofit/>
+          </a:bodyPr>
+          <a:lstStyle/>
+          <a:p>
+            <a:pPr algn="ctr"/>
+            <a:endParaRPr lang="en-US"/>
+          </a:p>
+        </p:txBody>
+      </p:sp>
+      <p:sp>
+        <p:nvSpPr>
+          <p:cNvPr id="16" name="Rechteck 15"/>
+          <p:cNvSpPr/>
+          <p:nvPr/>
+        </p:nvSpPr>
+        <p:spPr>
+          <a:xfrm>
+            <a:off x="5217952" y="638256"/>
+            <a:ext cx="2631284" cy="229163"/>
+          </a:xfrm>
+          <a:prstGeom prst="rect">
+            <a:avLst/>
+          </a:prstGeom>
+          <a:solidFill>
+            <a:schemeClr val="bg1"/>
+          </a:solidFill>
+          <a:ln>
+            <a:solidFill>
+              <a:schemeClr val="tx1"/>
+            </a:solidFill>
+          </a:ln>
+        </p:spPr>
+        <p:style>
+          <a:lnRef idx="2">
+            <a:schemeClr val="accent1">
+              <a:shade val="50000"/>
+            </a:schemeClr>
+          </a:lnRef>
+          <a:fillRef idx="1">
+            <a:schemeClr val="accent1"/>
+          </a:fillRef>
+          <a:effectRef idx="0">
+            <a:schemeClr val="accent1"/>
+          </a:effectRef>
+          <a:fontRef idx="minor">
+            <a:schemeClr val="lt1"/>
+          </a:fontRef>
+        </p:style>
+        <p:txBody>
+          <a:bodyPr rot="0" spcFirstLastPara="0" vertOverflow="overflow" horzOverflow="overflow" vert="horz" wrap="square" lIns="91440" tIns="45720" rIns="91440" bIns="45720" numCol="1" spcCol="0" rtlCol="0" fromWordArt="0" anchor="ctr" anchorCtr="0" forceAA="0" compatLnSpc="1">
+            <a:prstTxWarp prst="textNoShape">
+              <a:avLst/>
+            </a:prstTxWarp>
+            <a:noAutofit/>
+          </a:bodyPr>
+          <a:lstStyle/>
+          <a:p>
+            <a:pPr algn="ctr"/>
+            <a:endParaRPr lang="en-US"/>
+          </a:p>
+        </p:txBody>
+      </p:sp>
+      <p:sp>
+        <p:nvSpPr>
+          <p:cNvPr id="17" name="Abgerundetes Rechteck 16"/>
+          <p:cNvSpPr/>
+          <p:nvPr/>
+        </p:nvSpPr>
+        <p:spPr>
+          <a:xfrm>
+            <a:off x="5672134" y="871180"/>
+            <a:ext cx="422409" cy="116507"/>
+          </a:xfrm>
+          <a:prstGeom prst="roundRect">
+            <a:avLst/>
+          </a:prstGeom>
+          <a:solidFill>
+            <a:schemeClr val="tx1"/>
+          </a:solidFill>
+          <a:ln>
+            <a:solidFill>
+              <a:schemeClr val="tx1"/>
+            </a:solidFill>
+          </a:ln>
+        </p:spPr>
+        <p:style>
+          <a:lnRef idx="2">
+            <a:schemeClr val="accent1">
+              <a:shade val="50000"/>
+            </a:schemeClr>
+          </a:lnRef>
+          <a:fillRef idx="1">
+            <a:schemeClr val="accent1"/>
+          </a:fillRef>
+          <a:effectRef idx="0">
+            <a:schemeClr val="accent1"/>
+          </a:effectRef>
+          <a:fontRef idx="minor">
+            <a:schemeClr val="lt1"/>
+          </a:fontRef>
+        </p:style>
+        <p:txBody>
+          <a:bodyPr rot="0" spcFirstLastPara="0" vertOverflow="overflow" horzOverflow="overflow" vert="horz" wrap="square" lIns="91440" tIns="45720" rIns="91440" bIns="45720" numCol="1" spcCol="0" rtlCol="0" fromWordArt="0" anchor="ctr" anchorCtr="0" forceAA="0" compatLnSpc="1">
+            <a:prstTxWarp prst="textNoShape">
+              <a:avLst/>
+            </a:prstTxWarp>
+            <a:noAutofit/>
+          </a:bodyPr>
+          <a:lstStyle/>
+          <a:p>
+            <a:pPr algn="ctr"/>
+            <a:endParaRPr lang="en-US"/>
+          </a:p>
+        </p:txBody>
+      </p:sp>
+      <p:sp>
+        <p:nvSpPr>
+          <p:cNvPr id="18" name="Ellipse 17"/>
+          <p:cNvSpPr/>
+          <p:nvPr/>
+        </p:nvSpPr>
+        <p:spPr>
+          <a:xfrm>
+            <a:off x="4483554" y="2329791"/>
+            <a:ext cx="360000" cy="360000"/>
+          </a:xfrm>
+          <a:prstGeom prst="ellipse">
+            <a:avLst/>
+          </a:prstGeom>
+          <a:solidFill>
+            <a:schemeClr val="bg1"/>
+          </a:solidFill>
+          <a:ln>
+            <a:solidFill>
+              <a:schemeClr val="tx1"/>
+            </a:solidFill>
+          </a:ln>
+        </p:spPr>
+        <p:style>
+          <a:lnRef idx="2">
+            <a:schemeClr val="accent1">
+              <a:shade val="50000"/>
+            </a:schemeClr>
+          </a:lnRef>
+          <a:fillRef idx="1">
+            <a:schemeClr val="accent1"/>
+          </a:fillRef>
+          <a:effectRef idx="0">
+            <a:schemeClr val="accent1"/>
+          </a:effectRef>
+          <a:fontRef idx="minor">
+            <a:schemeClr val="lt1"/>
+          </a:fontRef>
+        </p:style>
+        <p:txBody>
+          <a:bodyPr rot="0" spcFirstLastPara="0" vertOverflow="overflow" horzOverflow="overflow" vert="horz" wrap="square" lIns="91440" tIns="45720" rIns="91440" bIns="45720" numCol="1" spcCol="0" rtlCol="0" fromWordArt="0" anchor="ctr" anchorCtr="0" forceAA="0" compatLnSpc="1">
+            <a:prstTxWarp prst="textNoShape">
+              <a:avLst/>
+            </a:prstTxWarp>
+            <a:noAutofit/>
+          </a:bodyPr>
+          <a:lstStyle/>
+          <a:p>
+            <a:pPr algn="ctr"/>
+            <a:endParaRPr lang="en-US"/>
+          </a:p>
+        </p:txBody>
+      </p:sp>
+      <p:sp>
+        <p:nvSpPr>
+          <p:cNvPr id="19" name="Textfeld 18"/>
+          <p:cNvSpPr txBox="1"/>
+          <p:nvPr/>
+        </p:nvSpPr>
+        <p:spPr>
+          <a:xfrm>
+            <a:off x="4493067" y="2272645"/>
+            <a:ext cx="340158" cy="461665"/>
+          </a:xfrm>
+          <a:prstGeom prst="rect">
+            <a:avLst/>
+          </a:prstGeom>
+          <a:noFill/>
+        </p:spPr>
+        <p:txBody>
+          <a:bodyPr wrap="none" rtlCol="0">
+            <a:spAutoFit/>
+          </a:bodyPr>
+          <a:lstStyle/>
+          <a:p>
+            <a:r>
+              <a:rPr lang="de-DE" sz="2400" dirty="0" smtClean="0"/>
+              <a:t>1</a:t>
+            </a:r>
+            <a:endParaRPr lang="en-US" sz="2400" dirty="0"/>
+          </a:p>
+        </p:txBody>
+      </p:sp>
+      <p:sp>
+        <p:nvSpPr>
+          <p:cNvPr id="20" name="Textfeld 19"/>
+          <p:cNvSpPr txBox="1"/>
+          <p:nvPr/>
+        </p:nvSpPr>
+        <p:spPr>
+          <a:xfrm>
+            <a:off x="2209097" y="472019"/>
+            <a:ext cx="2758384" cy="1200329"/>
+          </a:xfrm>
+          <a:prstGeom prst="rect">
+            <a:avLst/>
+          </a:prstGeom>
+          <a:noFill/>
+        </p:spPr>
+        <p:txBody>
+          <a:bodyPr wrap="none" rtlCol="0">
+            <a:spAutoFit/>
+          </a:bodyPr>
+          <a:lstStyle/>
+          <a:p>
+            <a:pPr marL="342900" indent="-342900">
+              <a:buAutoNum type="arabicPeriod"/>
+            </a:pPr>
+            <a:r>
+              <a:rPr lang="de-DE" dirty="0" smtClean="0"/>
+              <a:t>Kuka LBR iiwa</a:t>
+            </a:r>
+          </a:p>
+          <a:p>
+            <a:pPr marL="342900" indent="-342900">
+              <a:buAutoNum type="arabicPeriod"/>
+            </a:pPr>
+            <a:r>
+              <a:rPr lang="de-DE" dirty="0" smtClean="0"/>
+              <a:t>Game board</a:t>
+            </a:r>
+          </a:p>
+          <a:p>
+            <a:pPr marL="342900" indent="-342900">
+              <a:buFontTx/>
+              <a:buAutoNum type="arabicPeriod"/>
+            </a:pPr>
+            <a:r>
+              <a:rPr lang="de-DE" dirty="0" smtClean="0"/>
+              <a:t>Cognex </a:t>
+            </a:r>
+            <a:r>
+              <a:rPr lang="en-US" dirty="0"/>
+              <a:t>In-Sight </a:t>
+            </a:r>
+            <a:r>
+              <a:rPr lang="en-US" dirty="0" smtClean="0"/>
+              <a:t>Camera</a:t>
+            </a:r>
+            <a:endParaRPr lang="en-US" dirty="0"/>
+          </a:p>
+          <a:p>
+            <a:pPr marL="342900" indent="-342900">
+              <a:buAutoNum type="arabicPeriod"/>
+            </a:pPr>
+            <a:endParaRPr lang="en-US" dirty="0"/>
+          </a:p>
+        </p:txBody>
+      </p:sp>
+      <p:sp>
+        <p:nvSpPr>
+          <p:cNvPr id="21" name="Ellipse 20"/>
+          <p:cNvSpPr/>
+          <p:nvPr/>
+        </p:nvSpPr>
+        <p:spPr>
+          <a:xfrm>
+            <a:off x="5981422" y="4130314"/>
+            <a:ext cx="360000" cy="360000"/>
+          </a:xfrm>
+          <a:prstGeom prst="ellipse">
+            <a:avLst/>
+          </a:prstGeom>
+          <a:solidFill>
+            <a:schemeClr val="bg1"/>
+          </a:solidFill>
+          <a:ln>
+            <a:solidFill>
+              <a:schemeClr val="tx1"/>
+            </a:solidFill>
+          </a:ln>
+        </p:spPr>
+        <p:style>
+          <a:lnRef idx="2">
+            <a:schemeClr val="accent1">
+              <a:shade val="50000"/>
+            </a:schemeClr>
+          </a:lnRef>
+          <a:fillRef idx="1">
+            <a:schemeClr val="accent1"/>
+          </a:fillRef>
+          <a:effectRef idx="0">
+            <a:schemeClr val="accent1"/>
+          </a:effectRef>
+          <a:fontRef idx="minor">
+            <a:schemeClr val="lt1"/>
+          </a:fontRef>
+        </p:style>
+        <p:txBody>
+          <a:bodyPr rot="0" spcFirstLastPara="0" vertOverflow="overflow" horzOverflow="overflow" vert="horz" wrap="square" lIns="91440" tIns="45720" rIns="91440" bIns="45720" numCol="1" spcCol="0" rtlCol="0" fromWordArt="0" anchor="ctr" anchorCtr="0" forceAA="0" compatLnSpc="1">
+            <a:prstTxWarp prst="textNoShape">
+              <a:avLst/>
+            </a:prstTxWarp>
+            <a:noAutofit/>
+          </a:bodyPr>
+          <a:lstStyle/>
+          <a:p>
+            <a:pPr algn="ctr"/>
+            <a:endParaRPr lang="en-US"/>
+          </a:p>
+        </p:txBody>
+      </p:sp>
+      <p:sp>
+        <p:nvSpPr>
+          <p:cNvPr id="22" name="Textfeld 21"/>
+          <p:cNvSpPr txBox="1"/>
+          <p:nvPr/>
+        </p:nvSpPr>
+        <p:spPr>
+          <a:xfrm>
+            <a:off x="5991343" y="4072771"/>
+            <a:ext cx="340158" cy="461665"/>
+          </a:xfrm>
+          <a:prstGeom prst="rect">
+            <a:avLst/>
+          </a:prstGeom>
+          <a:noFill/>
+        </p:spPr>
+        <p:txBody>
+          <a:bodyPr wrap="none" rtlCol="0">
+            <a:spAutoFit/>
+          </a:bodyPr>
+          <a:lstStyle/>
+          <a:p>
+            <a:r>
+              <a:rPr lang="de-DE" sz="2400" dirty="0" smtClean="0"/>
+              <a:t>2</a:t>
+            </a:r>
+            <a:endParaRPr lang="en-US" sz="2400" dirty="0"/>
+          </a:p>
+        </p:txBody>
+      </p:sp>
+      <p:sp>
+        <p:nvSpPr>
+          <p:cNvPr id="23" name="Ellipse 22"/>
+          <p:cNvSpPr/>
+          <p:nvPr/>
+        </p:nvSpPr>
+        <p:spPr>
+          <a:xfrm>
+            <a:off x="6169827" y="929786"/>
+            <a:ext cx="360000" cy="360000"/>
+          </a:xfrm>
+          <a:prstGeom prst="ellipse">
+            <a:avLst/>
+          </a:prstGeom>
+          <a:solidFill>
+            <a:schemeClr val="bg1"/>
+          </a:solidFill>
+          <a:ln>
+            <a:solidFill>
+              <a:schemeClr val="tx1"/>
+            </a:solidFill>
+          </a:ln>
+        </p:spPr>
+        <p:style>
+          <a:lnRef idx="2">
+            <a:schemeClr val="accent1">
+              <a:shade val="50000"/>
+            </a:schemeClr>
+          </a:lnRef>
+          <a:fillRef idx="1">
+            <a:schemeClr val="accent1"/>
+          </a:fillRef>
+          <a:effectRef idx="0">
+            <a:schemeClr val="accent1"/>
+          </a:effectRef>
+          <a:fontRef idx="minor">
+            <a:schemeClr val="lt1"/>
+          </a:fontRef>
+        </p:style>
+        <p:txBody>
+          <a:bodyPr rot="0" spcFirstLastPara="0" vertOverflow="overflow" horzOverflow="overflow" vert="horz" wrap="square" lIns="91440" tIns="45720" rIns="91440" bIns="45720" numCol="1" spcCol="0" rtlCol="0" fromWordArt="0" anchor="ctr" anchorCtr="0" forceAA="0" compatLnSpc="1">
+            <a:prstTxWarp prst="textNoShape">
+              <a:avLst/>
+            </a:prstTxWarp>
+            <a:noAutofit/>
+          </a:bodyPr>
+          <a:lstStyle/>
+          <a:p>
+            <a:pPr algn="ctr"/>
+            <a:endParaRPr lang="en-US"/>
+          </a:p>
+        </p:txBody>
+      </p:sp>
+      <p:sp>
+        <p:nvSpPr>
+          <p:cNvPr id="24" name="Textfeld 23"/>
+          <p:cNvSpPr txBox="1"/>
+          <p:nvPr/>
+        </p:nvSpPr>
+        <p:spPr>
+          <a:xfrm>
+            <a:off x="6179748" y="878953"/>
+            <a:ext cx="340158" cy="461665"/>
+          </a:xfrm>
+          <a:prstGeom prst="rect">
+            <a:avLst/>
+          </a:prstGeom>
+          <a:noFill/>
+        </p:spPr>
+        <p:txBody>
+          <a:bodyPr wrap="none" rtlCol="0">
+            <a:spAutoFit/>
+          </a:bodyPr>
+          <a:lstStyle/>
+          <a:p>
+            <a:r>
+              <a:rPr lang="de-DE" sz="2400" dirty="0" smtClean="0"/>
+              <a:t>3</a:t>
+            </a:r>
+            <a:endParaRPr lang="en-US" sz="2400" dirty="0"/>
+          </a:p>
+        </p:txBody>
+      </p:sp>
+      <p:sp>
+        <p:nvSpPr>
+          <p:cNvPr id="25" name="Rechteck 24"/>
+          <p:cNvSpPr/>
+          <p:nvPr/>
+        </p:nvSpPr>
+        <p:spPr>
+          <a:xfrm>
+            <a:off x="6856066" y="4481799"/>
+            <a:ext cx="115824" cy="60960"/>
+          </a:xfrm>
+          <a:prstGeom prst="rect">
+            <a:avLst/>
+          </a:prstGeom>
+          <a:solidFill>
+            <a:schemeClr val="tx1"/>
+          </a:solidFill>
+          <a:ln>
+            <a:solidFill>
+              <a:schemeClr val="tx1"/>
+            </a:solidFill>
+          </a:ln>
+        </p:spPr>
+        <p:style>
+          <a:lnRef idx="2">
+            <a:schemeClr val="accent1">
+              <a:shade val="50000"/>
+            </a:schemeClr>
+          </a:lnRef>
+          <a:fillRef idx="1">
+            <a:schemeClr val="accent1"/>
+          </a:fillRef>
+          <a:effectRef idx="0">
+            <a:schemeClr val="accent1"/>
+          </a:effectRef>
+          <a:fontRef idx="minor">
+            <a:schemeClr val="lt1"/>
+          </a:fontRef>
+        </p:style>
+        <p:txBody>
+          <a:bodyPr rtlCol="0" anchor="ctr"/>
+          <a:lstStyle/>
+          <a:p>
+            <a:pPr algn="ctr"/>
+            <a:endParaRPr lang="en-US"/>
+          </a:p>
+        </p:txBody>
+      </p:sp>
+      <p:sp>
+        <p:nvSpPr>
+          <p:cNvPr id="30" name="Rechteck 29"/>
+          <p:cNvSpPr/>
+          <p:nvPr/>
+        </p:nvSpPr>
+        <p:spPr>
+          <a:xfrm>
+            <a:off x="5077472" y="4490120"/>
+            <a:ext cx="115824" cy="60960"/>
+          </a:xfrm>
+          <a:prstGeom prst="rect">
+            <a:avLst/>
+          </a:prstGeom>
+          <a:solidFill>
+            <a:schemeClr val="bg1"/>
+          </a:solidFill>
+          <a:ln>
+            <a:solidFill>
+              <a:schemeClr val="tx1"/>
+            </a:solidFill>
+          </a:ln>
+        </p:spPr>
+        <p:style>
+          <a:lnRef idx="2">
+            <a:schemeClr val="accent1">
+              <a:shade val="50000"/>
+            </a:schemeClr>
+          </a:lnRef>
+          <a:fillRef idx="1">
+            <a:schemeClr val="accent1"/>
+          </a:fillRef>
+          <a:effectRef idx="0">
+            <a:schemeClr val="accent1"/>
+          </a:effectRef>
+          <a:fontRef idx="minor">
+            <a:schemeClr val="lt1"/>
+          </a:fontRef>
+        </p:style>
+        <p:txBody>
+          <a:bodyPr rtlCol="0" anchor="ctr"/>
+          <a:lstStyle/>
+          <a:p>
+            <a:pPr algn="ctr"/>
+            <a:endParaRPr lang="en-US"/>
+          </a:p>
+        </p:txBody>
+      </p:sp>
+      <p:sp>
+        <p:nvSpPr>
+          <p:cNvPr id="31" name="Rechteck 30"/>
+          <p:cNvSpPr/>
+          <p:nvPr/>
+        </p:nvSpPr>
+        <p:spPr>
+          <a:xfrm>
+            <a:off x="6995946" y="4481799"/>
+            <a:ext cx="115824" cy="60960"/>
+          </a:xfrm>
+          <a:prstGeom prst="rect">
+            <a:avLst/>
+          </a:prstGeom>
+          <a:solidFill>
+            <a:schemeClr val="tx1"/>
+          </a:solidFill>
+          <a:ln>
+            <a:solidFill>
+              <a:schemeClr val="tx1"/>
+            </a:solidFill>
+          </a:ln>
+        </p:spPr>
+        <p:style>
+          <a:lnRef idx="2">
+            <a:schemeClr val="accent1">
+              <a:shade val="50000"/>
+            </a:schemeClr>
+          </a:lnRef>
+          <a:fillRef idx="1">
+            <a:schemeClr val="accent1"/>
+          </a:fillRef>
+          <a:effectRef idx="0">
+            <a:schemeClr val="accent1"/>
+          </a:effectRef>
+          <a:fontRef idx="minor">
+            <a:schemeClr val="lt1"/>
+          </a:fontRef>
+        </p:style>
+        <p:txBody>
+          <a:bodyPr rtlCol="0" anchor="ctr"/>
+          <a:lstStyle/>
+          <a:p>
+            <a:pPr algn="ctr"/>
+            <a:endParaRPr lang="en-US"/>
+          </a:p>
+        </p:txBody>
+      </p:sp>
+      <p:sp>
+        <p:nvSpPr>
+          <p:cNvPr id="32" name="Rechteck 31"/>
+          <p:cNvSpPr/>
+          <p:nvPr/>
+        </p:nvSpPr>
+        <p:spPr>
+          <a:xfrm>
+            <a:off x="6716186" y="4481799"/>
+            <a:ext cx="115824" cy="60960"/>
+          </a:xfrm>
+          <a:prstGeom prst="rect">
+            <a:avLst/>
+          </a:prstGeom>
+          <a:solidFill>
+            <a:schemeClr val="tx1"/>
+          </a:solidFill>
+          <a:ln>
+            <a:solidFill>
+              <a:schemeClr val="tx1"/>
+            </a:solidFill>
+          </a:ln>
+        </p:spPr>
+        <p:style>
+          <a:lnRef idx="2">
+            <a:schemeClr val="accent1">
+              <a:shade val="50000"/>
+            </a:schemeClr>
+          </a:lnRef>
+          <a:fillRef idx="1">
+            <a:schemeClr val="accent1"/>
+          </a:fillRef>
+          <a:effectRef idx="0">
+            <a:schemeClr val="accent1"/>
+          </a:effectRef>
+          <a:fontRef idx="minor">
+            <a:schemeClr val="lt1"/>
+          </a:fontRef>
+        </p:style>
+        <p:txBody>
+          <a:bodyPr rtlCol="0" anchor="ctr"/>
+          <a:lstStyle/>
+          <a:p>
+            <a:pPr algn="ctr"/>
+            <a:endParaRPr lang="en-US"/>
+          </a:p>
+        </p:txBody>
+      </p:sp>
+      <p:sp>
+        <p:nvSpPr>
+          <p:cNvPr id="33" name="Rechteck 32"/>
+          <p:cNvSpPr/>
+          <p:nvPr/>
+        </p:nvSpPr>
+        <p:spPr>
+          <a:xfrm>
+            <a:off x="6576306" y="4481799"/>
+            <a:ext cx="115824" cy="60960"/>
+          </a:xfrm>
+          <a:prstGeom prst="rect">
+            <a:avLst/>
+          </a:prstGeom>
+          <a:solidFill>
+            <a:schemeClr val="tx1"/>
+          </a:solidFill>
+          <a:ln>
+            <a:solidFill>
+              <a:schemeClr val="tx1"/>
+            </a:solidFill>
+          </a:ln>
+        </p:spPr>
+        <p:style>
+          <a:lnRef idx="2">
+            <a:schemeClr val="accent1">
+              <a:shade val="50000"/>
+            </a:schemeClr>
+          </a:lnRef>
+          <a:fillRef idx="1">
+            <a:schemeClr val="accent1"/>
+          </a:fillRef>
+          <a:effectRef idx="0">
+            <a:schemeClr val="accent1"/>
+          </a:effectRef>
+          <a:fontRef idx="minor">
+            <a:schemeClr val="lt1"/>
+          </a:fontRef>
+        </p:style>
+        <p:txBody>
+          <a:bodyPr rtlCol="0" anchor="ctr"/>
+          <a:lstStyle/>
+          <a:p>
+            <a:pPr algn="ctr"/>
+            <a:endParaRPr lang="en-US"/>
+          </a:p>
+        </p:txBody>
+      </p:sp>
+      <p:sp>
+        <p:nvSpPr>
+          <p:cNvPr id="34" name="Rechteck 33"/>
+          <p:cNvSpPr/>
+          <p:nvPr/>
+        </p:nvSpPr>
+        <p:spPr>
+          <a:xfrm>
+            <a:off x="6436426" y="4481799"/>
+            <a:ext cx="115824" cy="60960"/>
+          </a:xfrm>
+          <a:prstGeom prst="rect">
+            <a:avLst/>
+          </a:prstGeom>
+          <a:solidFill>
+            <a:schemeClr val="tx1"/>
+          </a:solidFill>
+          <a:ln>
+            <a:solidFill>
+              <a:schemeClr val="tx1"/>
+            </a:solidFill>
+          </a:ln>
+        </p:spPr>
+        <p:style>
+          <a:lnRef idx="2">
+            <a:schemeClr val="accent1">
+              <a:shade val="50000"/>
+            </a:schemeClr>
+          </a:lnRef>
+          <a:fillRef idx="1">
+            <a:schemeClr val="accent1"/>
+          </a:fillRef>
+          <a:effectRef idx="0">
+            <a:schemeClr val="accent1"/>
+          </a:effectRef>
+          <a:fontRef idx="minor">
+            <a:schemeClr val="lt1"/>
+          </a:fontRef>
+        </p:style>
+        <p:txBody>
+          <a:bodyPr rtlCol="0" anchor="ctr"/>
+          <a:lstStyle/>
+          <a:p>
+            <a:pPr algn="ctr"/>
+            <a:endParaRPr lang="en-US"/>
+          </a:p>
+        </p:txBody>
+      </p:sp>
+      <p:sp>
+        <p:nvSpPr>
+          <p:cNvPr id="35" name="Rechteck 34"/>
+          <p:cNvSpPr/>
+          <p:nvPr/>
+        </p:nvSpPr>
+        <p:spPr>
+          <a:xfrm>
+            <a:off x="7131436" y="4481799"/>
+            <a:ext cx="115824" cy="60960"/>
+          </a:xfrm>
+          <a:prstGeom prst="rect">
+            <a:avLst/>
+          </a:prstGeom>
+          <a:solidFill>
+            <a:schemeClr val="tx1"/>
+          </a:solidFill>
+          <a:ln>
+            <a:solidFill>
+              <a:schemeClr val="tx1"/>
+            </a:solidFill>
+          </a:ln>
+        </p:spPr>
+        <p:style>
+          <a:lnRef idx="2">
+            <a:schemeClr val="accent1">
+              <a:shade val="50000"/>
+            </a:schemeClr>
+          </a:lnRef>
+          <a:fillRef idx="1">
+            <a:schemeClr val="accent1"/>
+          </a:fillRef>
+          <a:effectRef idx="0">
+            <a:schemeClr val="accent1"/>
+          </a:effectRef>
+          <a:fontRef idx="minor">
+            <a:schemeClr val="lt1"/>
+          </a:fontRef>
+        </p:style>
+        <p:txBody>
+          <a:bodyPr rtlCol="0" anchor="ctr"/>
+          <a:lstStyle/>
+          <a:p>
+            <a:pPr algn="ctr"/>
+            <a:endParaRPr lang="en-US"/>
+          </a:p>
+        </p:txBody>
+      </p:sp>
+      <p:sp>
+        <p:nvSpPr>
+          <p:cNvPr id="36" name="Rechteck 35"/>
+          <p:cNvSpPr/>
+          <p:nvPr/>
+        </p:nvSpPr>
+        <p:spPr>
+          <a:xfrm>
+            <a:off x="7271613" y="4481799"/>
+            <a:ext cx="115824" cy="60960"/>
+          </a:xfrm>
+          <a:prstGeom prst="rect">
+            <a:avLst/>
+          </a:prstGeom>
+          <a:solidFill>
+            <a:schemeClr val="tx1"/>
+          </a:solidFill>
+          <a:ln>
+            <a:solidFill>
+              <a:schemeClr val="tx1"/>
+            </a:solidFill>
+          </a:ln>
+        </p:spPr>
+        <p:style>
+          <a:lnRef idx="2">
+            <a:schemeClr val="accent1">
+              <a:shade val="50000"/>
+            </a:schemeClr>
+          </a:lnRef>
+          <a:fillRef idx="1">
+            <a:schemeClr val="accent1"/>
+          </a:fillRef>
+          <a:effectRef idx="0">
+            <a:schemeClr val="accent1"/>
+          </a:effectRef>
+          <a:fontRef idx="minor">
+            <a:schemeClr val="lt1"/>
+          </a:fontRef>
+        </p:style>
+        <p:txBody>
+          <a:bodyPr rtlCol="0" anchor="ctr"/>
+          <a:lstStyle/>
+          <a:p>
+            <a:pPr algn="ctr"/>
+            <a:endParaRPr lang="en-US"/>
+          </a:p>
+        </p:txBody>
+      </p:sp>
+      <p:sp>
+        <p:nvSpPr>
+          <p:cNvPr id="37" name="Rechteck 36"/>
+          <p:cNvSpPr/>
+          <p:nvPr/>
+        </p:nvSpPr>
+        <p:spPr>
+          <a:xfrm>
+            <a:off x="7408819" y="4481799"/>
+            <a:ext cx="115824" cy="60960"/>
+          </a:xfrm>
+          <a:prstGeom prst="rect">
+            <a:avLst/>
+          </a:prstGeom>
+          <a:solidFill>
+            <a:schemeClr val="tx1"/>
+          </a:solidFill>
+          <a:ln>
+            <a:solidFill>
+              <a:schemeClr val="tx1"/>
+            </a:solidFill>
+          </a:ln>
+        </p:spPr>
+        <p:style>
+          <a:lnRef idx="2">
+            <a:schemeClr val="accent1">
+              <a:shade val="50000"/>
+            </a:schemeClr>
+          </a:lnRef>
+          <a:fillRef idx="1">
+            <a:schemeClr val="accent1"/>
+          </a:fillRef>
+          <a:effectRef idx="0">
+            <a:schemeClr val="accent1"/>
+          </a:effectRef>
+          <a:fontRef idx="minor">
+            <a:schemeClr val="lt1"/>
+          </a:fontRef>
+        </p:style>
+        <p:txBody>
+          <a:bodyPr rtlCol="0" anchor="ctr"/>
+          <a:lstStyle/>
+          <a:p>
+            <a:pPr algn="ctr"/>
+            <a:endParaRPr lang="en-US"/>
+          </a:p>
+        </p:txBody>
+      </p:sp>
+      <p:sp>
+        <p:nvSpPr>
+          <p:cNvPr id="38" name="Rechteck 37"/>
+          <p:cNvSpPr/>
+          <p:nvPr/>
+        </p:nvSpPr>
+        <p:spPr>
+          <a:xfrm>
+            <a:off x="7544846" y="4481799"/>
+            <a:ext cx="115824" cy="60960"/>
+          </a:xfrm>
+          <a:prstGeom prst="rect">
+            <a:avLst/>
+          </a:prstGeom>
+          <a:solidFill>
+            <a:schemeClr val="tx1"/>
+          </a:solidFill>
+          <a:ln>
+            <a:solidFill>
+              <a:schemeClr val="tx1"/>
+            </a:solidFill>
+          </a:ln>
+        </p:spPr>
+        <p:style>
+          <a:lnRef idx="2">
+            <a:schemeClr val="accent1">
+              <a:shade val="50000"/>
+            </a:schemeClr>
+          </a:lnRef>
+          <a:fillRef idx="1">
+            <a:schemeClr val="accent1"/>
+          </a:fillRef>
+          <a:effectRef idx="0">
+            <a:schemeClr val="accent1"/>
+          </a:effectRef>
+          <a:fontRef idx="minor">
+            <a:schemeClr val="lt1"/>
+          </a:fontRef>
+        </p:style>
+        <p:txBody>
+          <a:bodyPr rtlCol="0" anchor="ctr"/>
+          <a:lstStyle/>
+          <a:p>
+            <a:pPr algn="ctr"/>
+            <a:endParaRPr lang="en-US"/>
+          </a:p>
+        </p:txBody>
+      </p:sp>
+      <p:sp>
+        <p:nvSpPr>
+          <p:cNvPr id="41" name="Rechteck 40"/>
+          <p:cNvSpPr/>
+          <p:nvPr/>
+        </p:nvSpPr>
+        <p:spPr>
+          <a:xfrm>
+            <a:off x="5077472" y="4429160"/>
+            <a:ext cx="115824" cy="60960"/>
+          </a:xfrm>
+          <a:prstGeom prst="rect">
+            <a:avLst/>
+          </a:prstGeom>
+          <a:solidFill>
+            <a:schemeClr val="bg1"/>
+          </a:solidFill>
+          <a:ln>
+            <a:solidFill>
+              <a:schemeClr val="tx1"/>
+            </a:solidFill>
+          </a:ln>
+        </p:spPr>
+        <p:style>
+          <a:lnRef idx="2">
+            <a:schemeClr val="accent1">
+              <a:shade val="50000"/>
+            </a:schemeClr>
+          </a:lnRef>
+          <a:fillRef idx="1">
+            <a:schemeClr val="accent1"/>
+          </a:fillRef>
+          <a:effectRef idx="0">
+            <a:schemeClr val="accent1"/>
+          </a:effectRef>
+          <a:fontRef idx="minor">
+            <a:schemeClr val="lt1"/>
+          </a:fontRef>
+        </p:style>
+        <p:txBody>
+          <a:bodyPr rtlCol="0" anchor="ctr"/>
+          <a:lstStyle/>
+          <a:p>
+            <a:pPr algn="ctr"/>
+            <a:endParaRPr lang="en-US"/>
+          </a:p>
+        </p:txBody>
+      </p:sp>
+      <p:sp>
+        <p:nvSpPr>
+          <p:cNvPr id="42" name="Rechteck 41"/>
+          <p:cNvSpPr/>
+          <p:nvPr/>
+        </p:nvSpPr>
+        <p:spPr>
+          <a:xfrm>
+            <a:off x="5077472" y="4368200"/>
+            <a:ext cx="115824" cy="60960"/>
+          </a:xfrm>
+          <a:prstGeom prst="rect">
+            <a:avLst/>
+          </a:prstGeom>
+          <a:solidFill>
+            <a:schemeClr val="bg1"/>
+          </a:solidFill>
+          <a:ln>
+            <a:solidFill>
+              <a:schemeClr val="tx1"/>
+            </a:solidFill>
+          </a:ln>
+        </p:spPr>
+        <p:style>
+          <a:lnRef idx="2">
+            <a:schemeClr val="accent1">
+              <a:shade val="50000"/>
+            </a:schemeClr>
+          </a:lnRef>
+          <a:fillRef idx="1">
+            <a:schemeClr val="accent1"/>
+          </a:fillRef>
+          <a:effectRef idx="0">
+            <a:schemeClr val="accent1"/>
+          </a:effectRef>
+          <a:fontRef idx="minor">
+            <a:schemeClr val="lt1"/>
+          </a:fontRef>
+        </p:style>
+        <p:txBody>
+          <a:bodyPr rtlCol="0" anchor="ctr"/>
+          <a:lstStyle/>
+          <a:p>
+            <a:pPr algn="ctr"/>
+            <a:endParaRPr lang="en-US"/>
+          </a:p>
+        </p:txBody>
+      </p:sp>
+      <p:sp>
+        <p:nvSpPr>
+          <p:cNvPr id="43" name="Rechteck 42"/>
+          <p:cNvSpPr/>
+          <p:nvPr/>
+        </p:nvSpPr>
+        <p:spPr>
+          <a:xfrm>
+            <a:off x="5225996" y="4490120"/>
+            <a:ext cx="115824" cy="60960"/>
+          </a:xfrm>
+          <a:prstGeom prst="rect">
+            <a:avLst/>
+          </a:prstGeom>
+          <a:solidFill>
+            <a:schemeClr val="bg1"/>
+          </a:solidFill>
+          <a:ln>
+            <a:solidFill>
+              <a:schemeClr val="tx1"/>
+            </a:solidFill>
+          </a:ln>
+        </p:spPr>
+        <p:style>
+          <a:lnRef idx="2">
+            <a:schemeClr val="accent1">
+              <a:shade val="50000"/>
+            </a:schemeClr>
+          </a:lnRef>
+          <a:fillRef idx="1">
+            <a:schemeClr val="accent1"/>
+          </a:fillRef>
+          <a:effectRef idx="0">
+            <a:schemeClr val="accent1"/>
+          </a:effectRef>
+          <a:fontRef idx="minor">
+            <a:schemeClr val="lt1"/>
+          </a:fontRef>
+        </p:style>
+        <p:txBody>
+          <a:bodyPr rtlCol="0" anchor="ctr"/>
+          <a:lstStyle/>
+          <a:p>
+            <a:pPr algn="ctr"/>
+            <a:endParaRPr lang="en-US"/>
+          </a:p>
+        </p:txBody>
+      </p:sp>
+      <p:sp>
+        <p:nvSpPr>
+          <p:cNvPr id="44" name="Rechteck 43"/>
+          <p:cNvSpPr/>
+          <p:nvPr/>
+        </p:nvSpPr>
+        <p:spPr>
+          <a:xfrm>
+            <a:off x="5225996" y="4429160"/>
+            <a:ext cx="115824" cy="60960"/>
+          </a:xfrm>
+          <a:prstGeom prst="rect">
+            <a:avLst/>
+          </a:prstGeom>
+          <a:solidFill>
+            <a:schemeClr val="bg1"/>
+          </a:solidFill>
+          <a:ln>
+            <a:solidFill>
+              <a:schemeClr val="tx1"/>
+            </a:solidFill>
+          </a:ln>
+        </p:spPr>
+        <p:style>
+          <a:lnRef idx="2">
+            <a:schemeClr val="accent1">
+              <a:shade val="50000"/>
+            </a:schemeClr>
+          </a:lnRef>
+          <a:fillRef idx="1">
+            <a:schemeClr val="accent1"/>
+          </a:fillRef>
+          <a:effectRef idx="0">
+            <a:schemeClr val="accent1"/>
+          </a:effectRef>
+          <a:fontRef idx="minor">
+            <a:schemeClr val="lt1"/>
+          </a:fontRef>
+        </p:style>
+        <p:txBody>
+          <a:bodyPr rtlCol="0" anchor="ctr"/>
+          <a:lstStyle/>
+          <a:p>
+            <a:pPr algn="ctr"/>
+            <a:endParaRPr lang="en-US"/>
+          </a:p>
+        </p:txBody>
+      </p:sp>
+      <p:sp>
+        <p:nvSpPr>
+          <p:cNvPr id="45" name="Rechteck 44"/>
+          <p:cNvSpPr/>
+          <p:nvPr/>
+        </p:nvSpPr>
+        <p:spPr>
+          <a:xfrm>
+            <a:off x="5225996" y="4368200"/>
+            <a:ext cx="115824" cy="60960"/>
+          </a:xfrm>
+          <a:prstGeom prst="rect">
+            <a:avLst/>
+          </a:prstGeom>
+          <a:solidFill>
+            <a:schemeClr val="bg1"/>
+          </a:solidFill>
+          <a:ln>
+            <a:solidFill>
+              <a:schemeClr val="tx1"/>
+            </a:solidFill>
+          </a:ln>
+        </p:spPr>
+        <p:style>
+          <a:lnRef idx="2">
+            <a:schemeClr val="accent1">
+              <a:shade val="50000"/>
+            </a:schemeClr>
+          </a:lnRef>
+          <a:fillRef idx="1">
+            <a:schemeClr val="accent1"/>
+          </a:fillRef>
+          <a:effectRef idx="0">
+            <a:schemeClr val="accent1"/>
+          </a:effectRef>
+          <a:fontRef idx="minor">
+            <a:schemeClr val="lt1"/>
+          </a:fontRef>
+        </p:style>
+        <p:txBody>
+          <a:bodyPr rtlCol="0" anchor="ctr"/>
+          <a:lstStyle/>
+          <a:p>
+            <a:pPr algn="ctr"/>
+            <a:endParaRPr lang="en-US"/>
+          </a:p>
+        </p:txBody>
+      </p:sp>
+      <p:sp>
+        <p:nvSpPr>
+          <p:cNvPr id="46" name="Rechteck 45"/>
+          <p:cNvSpPr/>
+          <p:nvPr/>
+        </p:nvSpPr>
+        <p:spPr>
+          <a:xfrm>
+            <a:off x="5373770" y="4490120"/>
+            <a:ext cx="115824" cy="60960"/>
+          </a:xfrm>
+          <a:prstGeom prst="rect">
+            <a:avLst/>
+          </a:prstGeom>
+          <a:solidFill>
+            <a:schemeClr val="bg1"/>
+          </a:solidFill>
+          <a:ln>
+            <a:solidFill>
+              <a:schemeClr val="tx1"/>
+            </a:solidFill>
+          </a:ln>
+        </p:spPr>
+        <p:style>
+          <a:lnRef idx="2">
+            <a:schemeClr val="accent1">
+              <a:shade val="50000"/>
+            </a:schemeClr>
+          </a:lnRef>
+          <a:fillRef idx="1">
+            <a:schemeClr val="accent1"/>
+          </a:fillRef>
+          <a:effectRef idx="0">
+            <a:schemeClr val="accent1"/>
+          </a:effectRef>
+          <a:fontRef idx="minor">
+            <a:schemeClr val="lt1"/>
+          </a:fontRef>
+        </p:style>
+        <p:txBody>
+          <a:bodyPr rtlCol="0" anchor="ctr"/>
+          <a:lstStyle/>
+          <a:p>
+            <a:pPr algn="ctr"/>
+            <a:endParaRPr lang="en-US"/>
+          </a:p>
+        </p:txBody>
+      </p:sp>
+      <p:sp>
+        <p:nvSpPr>
+          <p:cNvPr id="47" name="Rechteck 46"/>
+          <p:cNvSpPr/>
+          <p:nvPr/>
+        </p:nvSpPr>
+        <p:spPr>
+          <a:xfrm>
+            <a:off x="5373770" y="4429160"/>
+            <a:ext cx="115824" cy="60960"/>
+          </a:xfrm>
+          <a:prstGeom prst="rect">
+            <a:avLst/>
+          </a:prstGeom>
+          <a:solidFill>
+            <a:schemeClr val="bg1"/>
+          </a:solidFill>
+          <a:ln>
+            <a:solidFill>
+              <a:schemeClr val="tx1"/>
+            </a:solidFill>
+          </a:ln>
+        </p:spPr>
+        <p:style>
+          <a:lnRef idx="2">
+            <a:schemeClr val="accent1">
+              <a:shade val="50000"/>
+            </a:schemeClr>
+          </a:lnRef>
+          <a:fillRef idx="1">
+            <a:schemeClr val="accent1"/>
+          </a:fillRef>
+          <a:effectRef idx="0">
+            <a:schemeClr val="accent1"/>
+          </a:effectRef>
+          <a:fontRef idx="minor">
+            <a:schemeClr val="lt1"/>
+          </a:fontRef>
+        </p:style>
+        <p:txBody>
+          <a:bodyPr rtlCol="0" anchor="ctr"/>
+          <a:lstStyle/>
+          <a:p>
+            <a:pPr algn="ctr"/>
+            <a:endParaRPr lang="en-US"/>
+          </a:p>
+        </p:txBody>
+      </p:sp>
+      <p:sp>
+        <p:nvSpPr>
+          <p:cNvPr id="48" name="Rechteck 47"/>
+          <p:cNvSpPr/>
+          <p:nvPr/>
+        </p:nvSpPr>
+        <p:spPr>
+          <a:xfrm>
+            <a:off x="5373770" y="4368200"/>
+            <a:ext cx="115824" cy="60960"/>
+          </a:xfrm>
+          <a:prstGeom prst="rect">
+            <a:avLst/>
+          </a:prstGeom>
+          <a:solidFill>
+            <a:schemeClr val="bg1"/>
+          </a:solidFill>
+          <a:ln>
+            <a:solidFill>
+              <a:schemeClr val="tx1"/>
+            </a:solidFill>
+          </a:ln>
+        </p:spPr>
+        <p:style>
+          <a:lnRef idx="2">
+            <a:schemeClr val="accent1">
+              <a:shade val="50000"/>
+            </a:schemeClr>
+          </a:lnRef>
+          <a:fillRef idx="1">
+            <a:schemeClr val="accent1"/>
+          </a:fillRef>
+          <a:effectRef idx="0">
+            <a:schemeClr val="accent1"/>
+          </a:effectRef>
+          <a:fontRef idx="minor">
+            <a:schemeClr val="lt1"/>
+          </a:fontRef>
+        </p:style>
+        <p:txBody>
+          <a:bodyPr rtlCol="0" anchor="ctr"/>
+          <a:lstStyle/>
+          <a:p>
+            <a:pPr algn="ctr"/>
+            <a:endParaRPr lang="en-US"/>
+          </a:p>
+        </p:txBody>
+      </p:sp>
+    </p:spTree>
+    <p:extLst>
+      <p:ext uri="{BB962C8B-B14F-4D97-AF65-F5344CB8AC3E}">
+        <p14:creationId xmlns:p14="http://schemas.microsoft.com/office/powerpoint/2010/main" val="3748863359"/>
       </p:ext>
     </p:extLst>
   </p:cSld>
